--- a/Slides-DAC-Survival Analysis.pptx
+++ b/Slides-DAC-Survival Analysis.pptx
@@ -5,10 +5,10 @@
     <p:sldMasterId id="2147483648" r:id="rId1"/>
   </p:sldMasterIdLst>
   <p:notesMasterIdLst>
-    <p:notesMasterId r:id="rId16"/>
+    <p:notesMasterId r:id="rId17"/>
   </p:notesMasterIdLst>
   <p:handoutMasterIdLst>
-    <p:handoutMasterId r:id="rId17"/>
+    <p:handoutMasterId r:id="rId18"/>
   </p:handoutMasterIdLst>
   <p:sldIdLst>
     <p:sldId id="262" r:id="rId2"/>
@@ -17,14 +17,15 @@
     <p:sldId id="280" r:id="rId5"/>
     <p:sldId id="261" r:id="rId6"/>
     <p:sldId id="276" r:id="rId7"/>
-    <p:sldId id="281" r:id="rId8"/>
-    <p:sldId id="282" r:id="rId9"/>
-    <p:sldId id="270" r:id="rId10"/>
-    <p:sldId id="271" r:id="rId11"/>
-    <p:sldId id="283" r:id="rId12"/>
-    <p:sldId id="285" r:id="rId13"/>
-    <p:sldId id="284" r:id="rId14"/>
-    <p:sldId id="278" r:id="rId15"/>
+    <p:sldId id="286" r:id="rId8"/>
+    <p:sldId id="287" r:id="rId9"/>
+    <p:sldId id="282" r:id="rId10"/>
+    <p:sldId id="270" r:id="rId11"/>
+    <p:sldId id="271" r:id="rId12"/>
+    <p:sldId id="283" r:id="rId13"/>
+    <p:sldId id="285" r:id="rId14"/>
+    <p:sldId id="284" r:id="rId15"/>
+    <p:sldId id="278" r:id="rId16"/>
   </p:sldIdLst>
   <p:sldSz cx="12192000" cy="6858000"/>
   <p:notesSz cx="6858000" cy="9144000"/>
@@ -3287,7 +3288,7 @@
           <a:p>
             <a:fld id="{1A9BCE0C-CD74-4A59-802C-6D2F8C15331A}" type="datetimeFigureOut">
               <a:rPr lang="en-US" smtClean="0"/>
-              <a:t>3/7/2023</a:t>
+              <a:t>3/8/2023</a:t>
             </a:fld>
             <a:endParaRPr lang="en-US"/>
           </a:p>
@@ -3452,7 +3453,7 @@
           <a:p>
             <a:fld id="{F04FDEA8-CBB8-46CC-9562-028963DBC55A}" type="datetimeFigureOut">
               <a:rPr lang="en-US" smtClean="0"/>
-              <a:t>3/7/2023</a:t>
+              <a:t>3/8/2023</a:t>
             </a:fld>
             <a:endParaRPr lang="en-US"/>
           </a:p>
@@ -4332,7 +4333,7 @@
           <a:p>
             <a:fld id="{37CC0096-1860-4642-9CD2-0079EA5E7CD1}" type="datetimeFigureOut">
               <a:rPr lang="en-US" smtClean="0"/>
-              <a:t>3/7/2023</a:t>
+              <a:t>3/8/2023</a:t>
             </a:fld>
             <a:endParaRPr lang="en-US"/>
           </a:p>
@@ -4534,7 +4535,7 @@
           <a:p>
             <a:fld id="{37CC0096-1860-4642-9CD2-0079EA5E7CD1}" type="datetimeFigureOut">
               <a:rPr lang="en-US" smtClean="0"/>
-              <a:t>3/7/2023</a:t>
+              <a:t>3/8/2023</a:t>
             </a:fld>
             <a:endParaRPr lang="en-US"/>
           </a:p>
@@ -5134,7 +5135,7 @@
           <a:p>
             <a:fld id="{37CC0096-1860-4642-9CD2-0079EA5E7CD1}" type="datetimeFigureOut">
               <a:rPr lang="en-US" smtClean="0"/>
-              <a:t>3/7/2023</a:t>
+              <a:t>3/8/2023</a:t>
             </a:fld>
             <a:endParaRPr lang="en-US"/>
           </a:p>
@@ -5650,7 +5651,7 @@
           <a:p>
             <a:fld id="{37CC0096-1860-4642-9CD2-0079EA5E7CD1}" type="datetimeFigureOut">
               <a:rPr lang="en-US" smtClean="0"/>
-              <a:t>3/7/2023</a:t>
+              <a:t>3/8/2023</a:t>
             </a:fld>
             <a:endParaRPr lang="en-US"/>
           </a:p>
@@ -6101,7 +6102,7 @@
           <a:p>
             <a:fld id="{37CC0096-1860-4642-9CD2-0079EA5E7CD1}" type="datetimeFigureOut">
               <a:rPr lang="en-US" smtClean="0"/>
-              <a:t>3/7/2023</a:t>
+              <a:t>3/8/2023</a:t>
             </a:fld>
             <a:endParaRPr lang="en-US"/>
           </a:p>
@@ -6234,7 +6235,7 @@
           <a:p>
             <a:fld id="{37CC0096-1860-4642-9CD2-0079EA5E7CD1}" type="datetimeFigureOut">
               <a:rPr lang="en-US" smtClean="0"/>
-              <a:t>3/7/2023</a:t>
+              <a:t>3/8/2023</a:t>
             </a:fld>
             <a:endParaRPr lang="en-US"/>
           </a:p>
@@ -6575,7 +6576,7 @@
           <a:p>
             <a:fld id="{37CC0096-1860-4642-9CD2-0079EA5E7CD1}" type="datetimeFigureOut">
               <a:rPr lang="en-US" smtClean="0"/>
-              <a:t>3/7/2023</a:t>
+              <a:t>3/8/2023</a:t>
             </a:fld>
             <a:endParaRPr lang="en-US"/>
           </a:p>
@@ -6866,7 +6867,7 @@
             <a:fld id="{37CC0096-1860-4642-9CD2-0079EA5E7CD1}" type="datetimeFigureOut">
               <a:rPr lang="en-US" smtClean="0"/>
               <a:pPr/>
-              <a:t>3/7/2023</a:t>
+              <a:t>3/8/2023</a:t>
             </a:fld>
             <a:endParaRPr lang="en-US"/>
           </a:p>
@@ -7487,6 +7488,124 @@
             <p:ph type="title"/>
           </p:nvPr>
         </p:nvSpPr>
+        <p:spPr>
+          <a:xfrm>
+            <a:off x="1634837" y="244763"/>
+            <a:ext cx="9144000" cy="1143000"/>
+          </a:xfrm>
+        </p:spPr>
+        <p:txBody>
+          <a:bodyPr/>
+          <a:lstStyle/>
+          <a:p>
+            <a:r>
+              <a:rPr lang="en-US" dirty="0" smtClean="0"/>
+              <a:t>Small data set</a:t>
+            </a:r>
+            <a:endParaRPr lang="en-US" dirty="0"/>
+          </a:p>
+        </p:txBody>
+      </p:sp>
+      <p:pic>
+        <p:nvPicPr>
+          <p:cNvPr id="4" name="Picture 3"/>
+          <p:cNvPicPr>
+            <a:picLocks noChangeAspect="1"/>
+          </p:cNvPicPr>
+          <p:nvPr/>
+        </p:nvPicPr>
+        <p:blipFill>
+          <a:blip r:embed="rId2"/>
+          <a:stretch>
+            <a:fillRect/>
+          </a:stretch>
+        </p:blipFill>
+        <p:spPr>
+          <a:xfrm>
+            <a:off x="4931927" y="1554018"/>
+            <a:ext cx="6706181" cy="4950381"/>
+          </a:xfrm>
+          <a:prstGeom prst="rect">
+            <a:avLst/>
+          </a:prstGeom>
+        </p:spPr>
+      </p:pic>
+      <p:pic>
+        <p:nvPicPr>
+          <p:cNvPr id="5" name="Picture 4"/>
+          <p:cNvPicPr>
+            <a:picLocks noChangeAspect="1"/>
+          </p:cNvPicPr>
+          <p:nvPr/>
+        </p:nvPicPr>
+        <p:blipFill>
+          <a:blip r:embed="rId3"/>
+          <a:stretch>
+            <a:fillRect/>
+          </a:stretch>
+        </p:blipFill>
+        <p:spPr>
+          <a:xfrm>
+            <a:off x="227950" y="1847316"/>
+            <a:ext cx="4328535" cy="3237257"/>
+          </a:xfrm>
+          <a:prstGeom prst="rect">
+            <a:avLst/>
+          </a:prstGeom>
+        </p:spPr>
+      </p:pic>
+    </p:spTree>
+    <p:extLst>
+      <p:ext uri="{BB962C8B-B14F-4D97-AF65-F5344CB8AC3E}">
+        <p14:creationId xmlns:p14="http://schemas.microsoft.com/office/powerpoint/2010/main" val="1514594706"/>
+      </p:ext>
+    </p:extLst>
+  </p:cSld>
+  <p:clrMapOvr>
+    <a:masterClrMapping/>
+  </p:clrMapOvr>
+  <mc:AlternateContent xmlns:mc="http://schemas.openxmlformats.org/markup-compatibility/2006" xmlns:p14="http://schemas.microsoft.com/office/powerpoint/2010/main">
+    <mc:Choice Requires="p14">
+      <p:transition spd="med" p14:dur="700">
+        <p:fade/>
+      </p:transition>
+    </mc:Choice>
+    <mc:Fallback xmlns="">
+      <p:transition spd="med">
+        <p:fade/>
+      </p:transition>
+    </mc:Fallback>
+  </mc:AlternateContent>
+</p:sld>
+</file>
+
+<file path=ppt/slides/slide11.xml><?xml version="1.0" encoding="utf-8"?>
+<p:sld xmlns:a="http://schemas.openxmlformats.org/drawingml/2006/main" xmlns:r="http://schemas.openxmlformats.org/officeDocument/2006/relationships" xmlns:p="http://schemas.openxmlformats.org/presentationml/2006/main">
+  <p:cSld>
+    <p:spTree>
+      <p:nvGrpSpPr>
+        <p:cNvPr id="1" name=""/>
+        <p:cNvGrpSpPr/>
+        <p:nvPr/>
+      </p:nvGrpSpPr>
+      <p:grpSpPr>
+        <a:xfrm>
+          <a:off x="0" y="0"/>
+          <a:ext cx="0" cy="0"/>
+          <a:chOff x="0" y="0"/>
+          <a:chExt cx="0" cy="0"/>
+        </a:xfrm>
+      </p:grpSpPr>
+      <p:sp>
+        <p:nvSpPr>
+          <p:cNvPr id="2" name="Title 1"/>
+          <p:cNvSpPr>
+            <a:spLocks noGrp="1"/>
+          </p:cNvSpPr>
+          <p:nvPr>
+            <p:ph type="title"/>
+          </p:nvPr>
+        </p:nvSpPr>
         <p:spPr/>
         <p:txBody>
           <a:bodyPr/>
@@ -7620,243 +7739,6 @@
 </p:sld>
 </file>
 
-<file path=ppt/slides/slide11.xml><?xml version="1.0" encoding="utf-8"?>
-<p:sld xmlns:a="http://schemas.openxmlformats.org/drawingml/2006/main" xmlns:r="http://schemas.openxmlformats.org/officeDocument/2006/relationships" xmlns:p="http://schemas.openxmlformats.org/presentationml/2006/main">
-  <p:cSld>
-    <p:spTree>
-      <p:nvGrpSpPr>
-        <p:cNvPr id="1" name=""/>
-        <p:cNvGrpSpPr/>
-        <p:nvPr/>
-      </p:nvGrpSpPr>
-      <p:grpSpPr>
-        <a:xfrm>
-          <a:off x="0" y="0"/>
-          <a:ext cx="0" cy="0"/>
-          <a:chOff x="0" y="0"/>
-          <a:chExt cx="0" cy="0"/>
-        </a:xfrm>
-      </p:grpSpPr>
-      <p:sp>
-        <p:nvSpPr>
-          <p:cNvPr id="5" name="Title 4"/>
-          <p:cNvSpPr>
-            <a:spLocks noGrp="1"/>
-          </p:cNvSpPr>
-          <p:nvPr>
-            <p:ph type="title"/>
-          </p:nvPr>
-        </p:nvSpPr>
-        <p:spPr/>
-        <p:txBody>
-          <a:bodyPr/>
-          <a:lstStyle/>
-          <a:p>
-            <a:r>
-              <a:rPr lang="en-US" dirty="0" smtClean="0"/>
-              <a:t>Data set</a:t>
-            </a:r>
-            <a:endParaRPr lang="en-US" dirty="0"/>
-          </a:p>
-        </p:txBody>
-      </p:sp>
-      <p:sp>
-        <p:nvSpPr>
-          <p:cNvPr id="6" name="Content Placeholder 5"/>
-          <p:cNvSpPr>
-            <a:spLocks noGrp="1"/>
-          </p:cNvSpPr>
-          <p:nvPr>
-            <p:ph idx="1"/>
-          </p:nvPr>
-        </p:nvSpPr>
-        <p:spPr/>
-        <p:txBody>
-          <a:bodyPr>
-            <a:normAutofit fontScale="92500" lnSpcReduction="10000"/>
-          </a:bodyPr>
-          <a:lstStyle/>
-          <a:p>
-            <a:r>
-              <a:rPr lang="en-US" dirty="0" smtClean="0"/>
-              <a:t>We will be using the lung data set in the R package of survival</a:t>
-            </a:r>
-          </a:p>
-          <a:p>
-            <a:pPr lvl="1"/>
-            <a:r>
-              <a:rPr lang="en-US" dirty="0" smtClean="0"/>
-              <a:t>This data set is a lung cancer survival data set from the North Central Cancer Treatment group (NCCTG).  The performance scores rate how well the patients can perform usual daily activity.</a:t>
-            </a:r>
-          </a:p>
-          <a:p>
-            <a:pPr lvl="1"/>
-            <a:r>
-              <a:rPr lang="en-US" dirty="0" smtClean="0"/>
-              <a:t>The variables are:</a:t>
-            </a:r>
-          </a:p>
-          <a:p>
-            <a:pPr lvl="2"/>
-            <a:r>
-              <a:rPr lang="en-US" dirty="0" err="1" smtClean="0"/>
-              <a:t>Inst</a:t>
-            </a:r>
-            <a:r>
-              <a:rPr lang="en-US" dirty="0" smtClean="0"/>
-              <a:t> – institution code</a:t>
-            </a:r>
-          </a:p>
-          <a:p>
-            <a:pPr lvl="2"/>
-            <a:r>
-              <a:rPr lang="en-US" dirty="0" smtClean="0"/>
-              <a:t>Time – survival time in days</a:t>
-            </a:r>
-          </a:p>
-          <a:p>
-            <a:pPr lvl="2"/>
-            <a:r>
-              <a:rPr lang="en-US" dirty="0" smtClean="0"/>
-              <a:t>Status – censoring status: 1=censored and 2=death (the event)</a:t>
-            </a:r>
-          </a:p>
-          <a:p>
-            <a:pPr lvl="2"/>
-            <a:r>
-              <a:rPr lang="en-US" dirty="0" smtClean="0"/>
-              <a:t>Age -  age in years</a:t>
-            </a:r>
-          </a:p>
-          <a:p>
-            <a:pPr lvl="2"/>
-            <a:r>
-              <a:rPr lang="en-US" dirty="0" smtClean="0"/>
-              <a:t>Sex  - 1 is for male and 2 is for female</a:t>
-            </a:r>
-          </a:p>
-          <a:p>
-            <a:pPr lvl="2"/>
-            <a:r>
-              <a:rPr lang="en-US" dirty="0" err="1" smtClean="0"/>
-              <a:t>Ph.ecog</a:t>
-            </a:r>
-            <a:r>
-              <a:rPr lang="en-US" dirty="0" smtClean="0"/>
-              <a:t> – ECOG performance score:  </a:t>
-            </a:r>
-            <a:r>
-              <a:rPr lang="en-US" dirty="0"/>
-              <a:t>0=asymptomatic, 1= symptomatic but completely ambulatory, 2= in bed &lt;50% of the day, 3= in bed &gt; 50% of the day but not bedbound, 4 = </a:t>
-            </a:r>
-            <a:r>
-              <a:rPr lang="en-US" dirty="0" smtClean="0"/>
-              <a:t>bedbound</a:t>
-            </a:r>
-          </a:p>
-          <a:p>
-            <a:pPr lvl="2"/>
-            <a:r>
-              <a:rPr lang="en-US" dirty="0" err="1" smtClean="0"/>
-              <a:t>ph.karno</a:t>
-            </a:r>
-            <a:r>
-              <a:rPr lang="en-US" dirty="0" smtClean="0"/>
-              <a:t> - </a:t>
-            </a:r>
-            <a:r>
-              <a:rPr lang="en-US" dirty="0" err="1" smtClean="0"/>
-              <a:t>Karnofsky</a:t>
-            </a:r>
-            <a:r>
-              <a:rPr lang="en-US" dirty="0" smtClean="0"/>
-              <a:t> </a:t>
-            </a:r>
-            <a:r>
-              <a:rPr lang="en-US" dirty="0"/>
-              <a:t>performance score (bad=0-good=100) rated by physician</a:t>
-            </a:r>
-          </a:p>
-          <a:p>
-            <a:pPr lvl="2"/>
-            <a:r>
-              <a:rPr lang="en-US" dirty="0" err="1" smtClean="0"/>
-              <a:t>pat.karno</a:t>
-            </a:r>
-            <a:r>
-              <a:rPr lang="en-US" dirty="0" smtClean="0"/>
-              <a:t> - </a:t>
-            </a:r>
-            <a:r>
-              <a:rPr lang="en-US" dirty="0" err="1" smtClean="0"/>
-              <a:t>Karnofsky</a:t>
-            </a:r>
-            <a:r>
-              <a:rPr lang="en-US" dirty="0" smtClean="0"/>
-              <a:t> </a:t>
-            </a:r>
-            <a:r>
-              <a:rPr lang="en-US" dirty="0"/>
-              <a:t>performance score as rated by patient</a:t>
-            </a:r>
-          </a:p>
-          <a:p>
-            <a:pPr lvl="2"/>
-            <a:r>
-              <a:rPr lang="en-US" dirty="0" err="1" smtClean="0"/>
-              <a:t>meal.cal</a:t>
-            </a:r>
-            <a:r>
-              <a:rPr lang="en-US" dirty="0" smtClean="0"/>
-              <a:t> - Calories </a:t>
-            </a:r>
-            <a:r>
-              <a:rPr lang="en-US" dirty="0"/>
-              <a:t>consumed at meals</a:t>
-            </a:r>
-          </a:p>
-          <a:p>
-            <a:pPr lvl="2"/>
-            <a:r>
-              <a:rPr lang="en-US" dirty="0" err="1" smtClean="0"/>
-              <a:t>wt.loss</a:t>
-            </a:r>
-            <a:r>
-              <a:rPr lang="en-US" dirty="0" smtClean="0"/>
-              <a:t> - Weight </a:t>
-            </a:r>
-            <a:r>
-              <a:rPr lang="en-US" dirty="0"/>
-              <a:t>loss in last six months (pounds)</a:t>
-            </a:r>
-          </a:p>
-        </p:txBody>
-      </p:sp>
-    </p:spTree>
-    <p:extLst>
-      <p:ext uri="{BB962C8B-B14F-4D97-AF65-F5344CB8AC3E}">
-        <p14:creationId xmlns:p14="http://schemas.microsoft.com/office/powerpoint/2010/main" val="596730118"/>
-      </p:ext>
-    </p:extLst>
-  </p:cSld>
-  <p:clrMapOvr>
-    <a:masterClrMapping/>
-  </p:clrMapOvr>
-  <mc:AlternateContent xmlns:mc="http://schemas.openxmlformats.org/markup-compatibility/2006" xmlns:p14="http://schemas.microsoft.com/office/powerpoint/2010/main">
-    <mc:Choice Requires="p14">
-      <p:transition spd="med" p14:dur="700">
-        <p:fade/>
-      </p:transition>
-    </mc:Choice>
-    <mc:Fallback xmlns="">
-      <p:transition spd="med">
-        <p:fade/>
-      </p:transition>
-    </mc:Fallback>
-  </mc:AlternateContent>
-</p:sld>
-</file>
-
 <file path=ppt/slides/slide12.xml><?xml version="1.0" encoding="utf-8"?>
 <p:sld xmlns:a="http://schemas.openxmlformats.org/drawingml/2006/main" xmlns:r="http://schemas.openxmlformats.org/officeDocument/2006/relationships" xmlns:p="http://schemas.openxmlformats.org/presentationml/2006/main">
   <p:cSld>
@@ -7876,7 +7758,7 @@
       </p:grpSpPr>
       <p:sp>
         <p:nvSpPr>
-          <p:cNvPr id="4" name="Title 3"/>
+          <p:cNvPr id="5" name="Title 4"/>
           <p:cNvSpPr>
             <a:spLocks noGrp="1"/>
           </p:cNvSpPr>
@@ -7891,16 +7773,188 @@
           <a:p>
             <a:r>
               <a:rPr lang="en-US" dirty="0" smtClean="0"/>
-              <a:t>Time to go to R…</a:t>
+              <a:t>Data set</a:t>
             </a:r>
             <a:endParaRPr lang="en-US" dirty="0"/>
+          </a:p>
+        </p:txBody>
+      </p:sp>
+      <p:sp>
+        <p:nvSpPr>
+          <p:cNvPr id="6" name="Content Placeholder 5"/>
+          <p:cNvSpPr>
+            <a:spLocks noGrp="1"/>
+          </p:cNvSpPr>
+          <p:nvPr>
+            <p:ph idx="1"/>
+          </p:nvPr>
+        </p:nvSpPr>
+        <p:spPr/>
+        <p:txBody>
+          <a:bodyPr>
+            <a:normAutofit fontScale="92500" lnSpcReduction="10000"/>
+          </a:bodyPr>
+          <a:lstStyle/>
+          <a:p>
+            <a:r>
+              <a:rPr lang="en-US" dirty="0" smtClean="0"/>
+              <a:t>We will be using the lung data set in the R package of survival</a:t>
+            </a:r>
+          </a:p>
+          <a:p>
+            <a:pPr lvl="1"/>
+            <a:r>
+              <a:rPr lang="en-US" dirty="0" smtClean="0"/>
+              <a:t>This data set is a lung cancer survival data set from the North Central Cancer Treatment group (NCCTG).  The performance scores rate how well the patients can perform usual daily activity.</a:t>
+            </a:r>
+          </a:p>
+          <a:p>
+            <a:pPr lvl="1"/>
+            <a:r>
+              <a:rPr lang="en-US" dirty="0" smtClean="0"/>
+              <a:t>The variables are:</a:t>
+            </a:r>
+          </a:p>
+          <a:p>
+            <a:pPr lvl="2"/>
+            <a:r>
+              <a:rPr lang="en-US" dirty="0" err="1" smtClean="0"/>
+              <a:t>Inst</a:t>
+            </a:r>
+            <a:r>
+              <a:rPr lang="en-US" dirty="0" smtClean="0"/>
+              <a:t> – institution code</a:t>
+            </a:r>
+          </a:p>
+          <a:p>
+            <a:pPr lvl="2"/>
+            <a:r>
+              <a:rPr lang="en-US" dirty="0" smtClean="0"/>
+              <a:t>Time – survival time in days</a:t>
+            </a:r>
+          </a:p>
+          <a:p>
+            <a:pPr lvl="2"/>
+            <a:r>
+              <a:rPr lang="en-US" dirty="0" smtClean="0"/>
+              <a:t>Status – censoring status: 1=censored and 2=death (the event)</a:t>
+            </a:r>
+          </a:p>
+          <a:p>
+            <a:pPr lvl="2"/>
+            <a:r>
+              <a:rPr lang="en-US" dirty="0" smtClean="0"/>
+              <a:t>Age -  age in years</a:t>
+            </a:r>
+          </a:p>
+          <a:p>
+            <a:pPr lvl="2"/>
+            <a:r>
+              <a:rPr lang="en-US" dirty="0" smtClean="0"/>
+              <a:t>Sex  - 1 is for male and 2 is for female</a:t>
+            </a:r>
+          </a:p>
+          <a:p>
+            <a:pPr lvl="2"/>
+            <a:r>
+              <a:rPr lang="en-US" dirty="0" err="1" smtClean="0"/>
+              <a:t>Ph.ecog</a:t>
+            </a:r>
+            <a:r>
+              <a:rPr lang="en-US" dirty="0" smtClean="0"/>
+              <a:t> – ECOG performance score:  </a:t>
+            </a:r>
+            <a:r>
+              <a:rPr lang="en-US" dirty="0"/>
+              <a:t>0=asymptomatic, 1= symptomatic but completely ambulatory, 2= in bed &lt;50% of the day, 3= in bed &gt; 50% of the day but not bedbound, 4 = </a:t>
+            </a:r>
+            <a:r>
+              <a:rPr lang="en-US" dirty="0" smtClean="0"/>
+              <a:t>bedbound</a:t>
+            </a:r>
+          </a:p>
+          <a:p>
+            <a:pPr lvl="2"/>
+            <a:r>
+              <a:rPr lang="en-US" dirty="0" err="1" smtClean="0"/>
+              <a:t>ph.karno</a:t>
+            </a:r>
+            <a:r>
+              <a:rPr lang="en-US" dirty="0" smtClean="0"/>
+              <a:t> - </a:t>
+            </a:r>
+            <a:r>
+              <a:rPr lang="en-US" dirty="0" err="1" smtClean="0"/>
+              <a:t>Karnofsky</a:t>
+            </a:r>
+            <a:r>
+              <a:rPr lang="en-US" dirty="0" smtClean="0"/>
+              <a:t> </a:t>
+            </a:r>
+            <a:r>
+              <a:rPr lang="en-US" dirty="0"/>
+              <a:t>performance score (bad=0-good=100) rated by physician</a:t>
+            </a:r>
+          </a:p>
+          <a:p>
+            <a:pPr lvl="2"/>
+            <a:r>
+              <a:rPr lang="en-US" dirty="0" err="1" smtClean="0"/>
+              <a:t>pat.karno</a:t>
+            </a:r>
+            <a:r>
+              <a:rPr lang="en-US" dirty="0" smtClean="0"/>
+              <a:t> - </a:t>
+            </a:r>
+            <a:r>
+              <a:rPr lang="en-US" dirty="0" err="1" smtClean="0"/>
+              <a:t>Karnofsky</a:t>
+            </a:r>
+            <a:r>
+              <a:rPr lang="en-US" dirty="0" smtClean="0"/>
+              <a:t> </a:t>
+            </a:r>
+            <a:r>
+              <a:rPr lang="en-US" dirty="0"/>
+              <a:t>performance score as rated by patient</a:t>
+            </a:r>
+          </a:p>
+          <a:p>
+            <a:pPr lvl="2"/>
+            <a:r>
+              <a:rPr lang="en-US" dirty="0" err="1" smtClean="0"/>
+              <a:t>meal.cal</a:t>
+            </a:r>
+            <a:r>
+              <a:rPr lang="en-US" dirty="0" smtClean="0"/>
+              <a:t> - Calories </a:t>
+            </a:r>
+            <a:r>
+              <a:rPr lang="en-US" dirty="0"/>
+              <a:t>consumed at meals</a:t>
+            </a:r>
+          </a:p>
+          <a:p>
+            <a:pPr lvl="2"/>
+            <a:r>
+              <a:rPr lang="en-US" dirty="0" err="1" smtClean="0"/>
+              <a:t>wt.loss</a:t>
+            </a:r>
+            <a:r>
+              <a:rPr lang="en-US" dirty="0" smtClean="0"/>
+              <a:t> - Weight </a:t>
+            </a:r>
+            <a:r>
+              <a:rPr lang="en-US" dirty="0"/>
+              <a:t>loss in last six months (pounds)</a:t>
+            </a:r>
           </a:p>
         </p:txBody>
       </p:sp>
     </p:spTree>
     <p:extLst>
       <p:ext uri="{BB962C8B-B14F-4D97-AF65-F5344CB8AC3E}">
-        <p14:creationId xmlns:p14="http://schemas.microsoft.com/office/powerpoint/2010/main" val="3722033320"/>
+        <p14:creationId xmlns:p14="http://schemas.microsoft.com/office/powerpoint/2010/main" val="596730118"/>
       </p:ext>
     </p:extLst>
   </p:cSld>
@@ -7941,6 +7995,71 @@
       </p:grpSpPr>
       <p:sp>
         <p:nvSpPr>
+          <p:cNvPr id="4" name="Title 3"/>
+          <p:cNvSpPr>
+            <a:spLocks noGrp="1"/>
+          </p:cNvSpPr>
+          <p:nvPr>
+            <p:ph type="title"/>
+          </p:nvPr>
+        </p:nvSpPr>
+        <p:spPr/>
+        <p:txBody>
+          <a:bodyPr/>
+          <a:lstStyle/>
+          <a:p>
+            <a:r>
+              <a:rPr lang="en-US" dirty="0" smtClean="0"/>
+              <a:t>Time to go to R…</a:t>
+            </a:r>
+            <a:endParaRPr lang="en-US" dirty="0"/>
+          </a:p>
+        </p:txBody>
+      </p:sp>
+    </p:spTree>
+    <p:extLst>
+      <p:ext uri="{BB962C8B-B14F-4D97-AF65-F5344CB8AC3E}">
+        <p14:creationId xmlns:p14="http://schemas.microsoft.com/office/powerpoint/2010/main" val="3722033320"/>
+      </p:ext>
+    </p:extLst>
+  </p:cSld>
+  <p:clrMapOvr>
+    <a:masterClrMapping/>
+  </p:clrMapOvr>
+  <mc:AlternateContent xmlns:mc="http://schemas.openxmlformats.org/markup-compatibility/2006" xmlns:p14="http://schemas.microsoft.com/office/powerpoint/2010/main">
+    <mc:Choice Requires="p14">
+      <p:transition spd="med" p14:dur="700">
+        <p:fade/>
+      </p:transition>
+    </mc:Choice>
+    <mc:Fallback xmlns="">
+      <p:transition spd="med">
+        <p:fade/>
+      </p:transition>
+    </mc:Fallback>
+  </mc:AlternateContent>
+</p:sld>
+</file>
+
+<file path=ppt/slides/slide14.xml><?xml version="1.0" encoding="utf-8"?>
+<p:sld xmlns:a="http://schemas.openxmlformats.org/drawingml/2006/main" xmlns:r="http://schemas.openxmlformats.org/officeDocument/2006/relationships" xmlns:p="http://schemas.openxmlformats.org/presentationml/2006/main">
+  <p:cSld>
+    <p:spTree>
+      <p:nvGrpSpPr>
+        <p:cNvPr id="1" name=""/>
+        <p:cNvGrpSpPr/>
+        <p:nvPr/>
+      </p:nvGrpSpPr>
+      <p:grpSpPr>
+        <a:xfrm>
+          <a:off x="0" y="0"/>
+          <a:ext cx="0" cy="0"/>
+          <a:chOff x="0" y="0"/>
+          <a:chExt cx="0" cy="0"/>
+        </a:xfrm>
+      </p:grpSpPr>
+      <p:sp>
+        <p:nvSpPr>
           <p:cNvPr id="2" name="Title 1"/>
           <p:cNvSpPr>
             <a:spLocks noGrp="1"/>
@@ -8133,7 +8252,7 @@
 </p:sld>
 </file>
 
-<file path=ppt/slides/slide14.xml><?xml version="1.0" encoding="utf-8"?>
+<file path=ppt/slides/slide15.xml><?xml version="1.0" encoding="utf-8"?>
 <p:sld xmlns:a="http://schemas.openxmlformats.org/drawingml/2006/main" xmlns:r="http://schemas.openxmlformats.org/officeDocument/2006/relationships" xmlns:p="http://schemas.openxmlformats.org/presentationml/2006/main">
   <p:cSld>
     <p:spTree>
@@ -8291,7 +8410,17 @@
             <a:pPr lvl="1"/>
             <a:r>
               <a:rPr lang="en-US" dirty="0" smtClean="0"/>
-              <a:t>Censoring, survival probability, hazard rate</a:t>
+              <a:t>Censoring, survival probability, hazard </a:t>
+            </a:r>
+            <a:r>
+              <a:rPr lang="en-US" dirty="0" smtClean="0"/>
+              <a:t>rate</a:t>
+            </a:r>
+          </a:p>
+          <a:p>
+            <a:r>
+              <a:rPr lang="en-US" dirty="0" smtClean="0"/>
+              <a:t>R Markdown</a:t>
             </a:r>
             <a:endParaRPr lang="en-US" dirty="0"/>
           </a:p>
@@ -8566,7 +8695,9 @@
         </p:nvSpPr>
         <p:spPr/>
         <p:txBody>
-          <a:bodyPr/>
+          <a:bodyPr>
+            <a:normAutofit lnSpcReduction="10000"/>
+          </a:bodyPr>
           <a:lstStyle/>
           <a:p>
             <a:r>
@@ -8584,50 +8715,57 @@
           </a:p>
           <a:p>
             <a:r>
-              <a:rPr lang="en-US" sz="2400" dirty="0"/>
-              <a:t>The “event” is some specific outcome of interest:</a:t>
+              <a:rPr lang="en-US" sz="2400" dirty="0" smtClean="0"/>
+              <a:t>In survival analysis, each observation will either have the event occur (death, customer leaves, customer buys a new product, machine breaks down, </a:t>
+            </a:r>
+            <a:r>
+              <a:rPr lang="en-US" sz="2400" dirty="0" err="1" smtClean="0"/>
+              <a:t>etc</a:t>
+            </a:r>
+            <a:r>
+              <a:rPr lang="en-US" sz="2400" dirty="0" smtClean="0"/>
+              <a:t>) OR it will be censored</a:t>
             </a:r>
           </a:p>
           <a:p>
             <a:pPr lvl="1"/>
             <a:r>
-              <a:rPr lang="en-US" sz="2400" dirty="0"/>
-              <a:t>Customer cancel service</a:t>
+              <a:rPr lang="en-US" sz="2200" dirty="0" smtClean="0"/>
+              <a:t>We will focus on “right censored” data (but can also have left censored, or interval censored)</a:t>
             </a:r>
           </a:p>
           <a:p>
             <a:pPr lvl="1"/>
             <a:r>
-              <a:rPr lang="en-US" sz="2400" dirty="0"/>
-              <a:t>Customer make another purchase</a:t>
-            </a:r>
+              <a:rPr lang="en-US" sz="2200" dirty="0" smtClean="0"/>
+              <a:t>Right censored means we don’t know what happened to them after the time we have recorded for them</a:t>
+            </a:r>
+          </a:p>
+          <a:p>
+            <a:r>
+              <a:rPr lang="en-US" dirty="0" smtClean="0"/>
+              <a:t>Different than Logistic regression…</a:t>
+            </a:r>
+            <a:endParaRPr lang="en-US" dirty="0"/>
           </a:p>
           <a:p>
             <a:pPr lvl="1"/>
             <a:r>
-              <a:rPr lang="en-US" sz="2400" dirty="0"/>
-              <a:t>Patient develops disease</a:t>
-            </a:r>
-          </a:p>
-          <a:p>
-            <a:endParaRPr lang="en-US" dirty="0"/>
-          </a:p>
-          <a:p>
-            <a:r>
-              <a:rPr lang="en-US" sz="2400" dirty="0"/>
+              <a:rPr lang="en-US" sz="2200" dirty="0"/>
               <a:t>Logistic regression: “Did it happen?”</a:t>
             </a:r>
           </a:p>
           <a:p>
-            <a:r>
-              <a:rPr lang="en-US" sz="2400" dirty="0"/>
+            <a:pPr lvl="1"/>
+            <a:r>
+              <a:rPr lang="en-US" sz="2200" dirty="0"/>
               <a:t>Survival analysis: “How long did it take to happen</a:t>
             </a:r>
             <a:r>
-              <a:rPr lang="en-US" sz="2400" dirty="0" smtClean="0"/>
+              <a:rPr lang="en-US" sz="2200" dirty="0" smtClean="0"/>
               <a:t>?”</a:t>
             </a:r>
-            <a:endParaRPr lang="en-US" sz="2400" dirty="0"/>
+            <a:endParaRPr lang="en-US" sz="2200" dirty="0"/>
           </a:p>
         </p:txBody>
       </p:sp>
@@ -9065,7 +9203,7 @@
         </p:blipFill>
         <p:spPr>
           <a:xfrm>
-            <a:off x="483755" y="1444172"/>
+            <a:off x="3243695" y="1176379"/>
             <a:ext cx="6692900" cy="5063135"/>
           </a:xfrm>
           <a:prstGeom prst="rect">
@@ -9100,6 +9238,688 @@
               <a:t>Tenure and Censoring</a:t>
             </a:r>
             <a:endParaRPr lang="en-US" sz="4000" dirty="0"/>
+          </a:p>
+        </p:txBody>
+      </p:sp>
+      <p:sp>
+        <p:nvSpPr>
+          <p:cNvPr id="4" name="TextBox 3"/>
+          <p:cNvSpPr txBox="1"/>
+          <p:nvPr/>
+        </p:nvSpPr>
+        <p:spPr>
+          <a:xfrm>
+            <a:off x="1394691" y="991713"/>
+            <a:ext cx="2974109" cy="369332"/>
+          </a:xfrm>
+          <a:prstGeom prst="rect">
+            <a:avLst/>
+          </a:prstGeom>
+          <a:noFill/>
+        </p:spPr>
+        <p:txBody>
+          <a:bodyPr wrap="square" rtlCol="0">
+            <a:spAutoFit/>
+          </a:bodyPr>
+          <a:lstStyle/>
+          <a:p>
+            <a:r>
+              <a:rPr lang="en-US" dirty="0" smtClean="0"/>
+              <a:t>Observation</a:t>
+            </a:r>
+            <a:endParaRPr lang="en-US" dirty="0"/>
+          </a:p>
+        </p:txBody>
+      </p:sp>
+      <p:sp>
+        <p:nvSpPr>
+          <p:cNvPr id="6" name="TextBox 5"/>
+          <p:cNvSpPr txBox="1"/>
+          <p:nvPr/>
+        </p:nvSpPr>
+        <p:spPr>
+          <a:xfrm>
+            <a:off x="5934363" y="6488668"/>
+            <a:ext cx="2974109" cy="369332"/>
+          </a:xfrm>
+          <a:prstGeom prst="rect">
+            <a:avLst/>
+          </a:prstGeom>
+          <a:noFill/>
+        </p:spPr>
+        <p:txBody>
+          <a:bodyPr wrap="square" rtlCol="0">
+            <a:spAutoFit/>
+          </a:bodyPr>
+          <a:lstStyle/>
+          <a:p>
+            <a:r>
+              <a:rPr lang="en-US" dirty="0" smtClean="0"/>
+              <a:t>Time</a:t>
+            </a:r>
+            <a:endParaRPr lang="en-US" dirty="0"/>
+          </a:p>
+        </p:txBody>
+      </p:sp>
+      <p:sp>
+        <p:nvSpPr>
+          <p:cNvPr id="7" name="TextBox 6"/>
+          <p:cNvSpPr txBox="1"/>
+          <p:nvPr/>
+        </p:nvSpPr>
+        <p:spPr>
+          <a:xfrm>
+            <a:off x="2576945" y="1588655"/>
+            <a:ext cx="304800" cy="369332"/>
+          </a:xfrm>
+          <a:prstGeom prst="rect">
+            <a:avLst/>
+          </a:prstGeom>
+          <a:noFill/>
+        </p:spPr>
+        <p:txBody>
+          <a:bodyPr wrap="square" rtlCol="0">
+            <a:spAutoFit/>
+          </a:bodyPr>
+          <a:lstStyle/>
+          <a:p>
+            <a:r>
+              <a:rPr lang="en-US" dirty="0" smtClean="0"/>
+              <a:t>1</a:t>
+            </a:r>
+            <a:endParaRPr lang="en-US" dirty="0"/>
+          </a:p>
+        </p:txBody>
+      </p:sp>
+      <p:sp>
+        <p:nvSpPr>
+          <p:cNvPr id="8" name="TextBox 7"/>
+          <p:cNvSpPr txBox="1"/>
+          <p:nvPr/>
+        </p:nvSpPr>
+        <p:spPr>
+          <a:xfrm>
+            <a:off x="2576945" y="2299848"/>
+            <a:ext cx="304800" cy="369332"/>
+          </a:xfrm>
+          <a:prstGeom prst="rect">
+            <a:avLst/>
+          </a:prstGeom>
+          <a:noFill/>
+        </p:spPr>
+        <p:txBody>
+          <a:bodyPr wrap="square" rtlCol="0">
+            <a:spAutoFit/>
+          </a:bodyPr>
+          <a:lstStyle/>
+          <a:p>
+            <a:r>
+              <a:rPr lang="en-US" dirty="0"/>
+              <a:t>2</a:t>
+            </a:r>
+            <a:endParaRPr lang="en-US" dirty="0"/>
+          </a:p>
+        </p:txBody>
+      </p:sp>
+      <p:sp>
+        <p:nvSpPr>
+          <p:cNvPr id="9" name="TextBox 8"/>
+          <p:cNvSpPr txBox="1"/>
+          <p:nvPr/>
+        </p:nvSpPr>
+        <p:spPr>
+          <a:xfrm>
+            <a:off x="2605520" y="3011041"/>
+            <a:ext cx="304800" cy="369332"/>
+          </a:xfrm>
+          <a:prstGeom prst="rect">
+            <a:avLst/>
+          </a:prstGeom>
+          <a:noFill/>
+        </p:spPr>
+        <p:txBody>
+          <a:bodyPr wrap="square" rtlCol="0">
+            <a:spAutoFit/>
+          </a:bodyPr>
+          <a:lstStyle/>
+          <a:p>
+            <a:r>
+              <a:rPr lang="en-US" dirty="0"/>
+              <a:t>3</a:t>
+            </a:r>
+            <a:endParaRPr lang="en-US" dirty="0"/>
+          </a:p>
+        </p:txBody>
+      </p:sp>
+      <p:sp>
+        <p:nvSpPr>
+          <p:cNvPr id="10" name="TextBox 9"/>
+          <p:cNvSpPr txBox="1"/>
+          <p:nvPr/>
+        </p:nvSpPr>
+        <p:spPr>
+          <a:xfrm>
+            <a:off x="2563956" y="3722234"/>
+            <a:ext cx="304800" cy="369332"/>
+          </a:xfrm>
+          <a:prstGeom prst="rect">
+            <a:avLst/>
+          </a:prstGeom>
+          <a:noFill/>
+        </p:spPr>
+        <p:txBody>
+          <a:bodyPr wrap="square" rtlCol="0">
+            <a:spAutoFit/>
+          </a:bodyPr>
+          <a:lstStyle/>
+          <a:p>
+            <a:r>
+              <a:rPr lang="en-US" dirty="0"/>
+              <a:t>4</a:t>
+            </a:r>
+            <a:endParaRPr lang="en-US" dirty="0"/>
+          </a:p>
+        </p:txBody>
+      </p:sp>
+      <p:sp>
+        <p:nvSpPr>
+          <p:cNvPr id="11" name="TextBox 10"/>
+          <p:cNvSpPr txBox="1"/>
+          <p:nvPr/>
+        </p:nvSpPr>
+        <p:spPr>
+          <a:xfrm>
+            <a:off x="2583294" y="4571970"/>
+            <a:ext cx="304800" cy="369332"/>
+          </a:xfrm>
+          <a:prstGeom prst="rect">
+            <a:avLst/>
+          </a:prstGeom>
+          <a:noFill/>
+        </p:spPr>
+        <p:txBody>
+          <a:bodyPr wrap="square" rtlCol="0">
+            <a:spAutoFit/>
+          </a:bodyPr>
+          <a:lstStyle/>
+          <a:p>
+            <a:r>
+              <a:rPr lang="en-US" dirty="0"/>
+              <a:t>5</a:t>
+            </a:r>
+            <a:endParaRPr lang="en-US" dirty="0"/>
+          </a:p>
+        </p:txBody>
+      </p:sp>
+      <p:sp>
+        <p:nvSpPr>
+          <p:cNvPr id="12" name="TextBox 11"/>
+          <p:cNvSpPr txBox="1"/>
+          <p:nvPr/>
+        </p:nvSpPr>
+        <p:spPr>
+          <a:xfrm>
+            <a:off x="2576945" y="5486481"/>
+            <a:ext cx="304800" cy="369332"/>
+          </a:xfrm>
+          <a:prstGeom prst="rect">
+            <a:avLst/>
+          </a:prstGeom>
+          <a:noFill/>
+        </p:spPr>
+        <p:txBody>
+          <a:bodyPr wrap="square" rtlCol="0">
+            <a:spAutoFit/>
+          </a:bodyPr>
+          <a:lstStyle/>
+          <a:p>
+            <a:r>
+              <a:rPr lang="en-US" dirty="0"/>
+              <a:t>6</a:t>
+            </a:r>
+            <a:endParaRPr lang="en-US" dirty="0"/>
+          </a:p>
+        </p:txBody>
+      </p:sp>
+      <p:sp>
+        <p:nvSpPr>
+          <p:cNvPr id="13" name="TextBox 12"/>
+          <p:cNvSpPr txBox="1"/>
+          <p:nvPr/>
+        </p:nvSpPr>
+        <p:spPr>
+          <a:xfrm>
+            <a:off x="3546767" y="6239514"/>
+            <a:ext cx="314036" cy="369332"/>
+          </a:xfrm>
+          <a:prstGeom prst="rect">
+            <a:avLst/>
+          </a:prstGeom>
+          <a:noFill/>
+        </p:spPr>
+        <p:txBody>
+          <a:bodyPr wrap="square" rtlCol="0">
+            <a:spAutoFit/>
+          </a:bodyPr>
+          <a:lstStyle/>
+          <a:p>
+            <a:r>
+              <a:rPr lang="en-US" smtClean="0"/>
+              <a:t>1</a:t>
+            </a:r>
+            <a:endParaRPr lang="en-US"/>
+          </a:p>
+        </p:txBody>
+      </p:sp>
+      <p:sp>
+        <p:nvSpPr>
+          <p:cNvPr id="14" name="TextBox 13"/>
+          <p:cNvSpPr txBox="1"/>
+          <p:nvPr/>
+        </p:nvSpPr>
+        <p:spPr>
+          <a:xfrm>
+            <a:off x="3929217" y="6239514"/>
+            <a:ext cx="314036" cy="369332"/>
+          </a:xfrm>
+          <a:prstGeom prst="rect">
+            <a:avLst/>
+          </a:prstGeom>
+          <a:noFill/>
+        </p:spPr>
+        <p:txBody>
+          <a:bodyPr wrap="square" rtlCol="0">
+            <a:spAutoFit/>
+          </a:bodyPr>
+          <a:lstStyle/>
+          <a:p>
+            <a:r>
+              <a:rPr lang="en-US" dirty="0"/>
+              <a:t>2</a:t>
+            </a:r>
+          </a:p>
+        </p:txBody>
+      </p:sp>
+      <p:sp>
+        <p:nvSpPr>
+          <p:cNvPr id="15" name="TextBox 14"/>
+          <p:cNvSpPr txBox="1"/>
+          <p:nvPr/>
+        </p:nvSpPr>
+        <p:spPr>
+          <a:xfrm>
+            <a:off x="4392322" y="6239514"/>
+            <a:ext cx="314036" cy="369332"/>
+          </a:xfrm>
+          <a:prstGeom prst="rect">
+            <a:avLst/>
+          </a:prstGeom>
+          <a:noFill/>
+        </p:spPr>
+        <p:txBody>
+          <a:bodyPr wrap="square" rtlCol="0">
+            <a:spAutoFit/>
+          </a:bodyPr>
+          <a:lstStyle/>
+          <a:p>
+            <a:r>
+              <a:rPr lang="en-US" dirty="0"/>
+              <a:t>3</a:t>
+            </a:r>
+          </a:p>
+        </p:txBody>
+      </p:sp>
+      <p:sp>
+        <p:nvSpPr>
+          <p:cNvPr id="16" name="TextBox 15"/>
+          <p:cNvSpPr txBox="1"/>
+          <p:nvPr/>
+        </p:nvSpPr>
+        <p:spPr>
+          <a:xfrm>
+            <a:off x="4774772" y="6239514"/>
+            <a:ext cx="314036" cy="369332"/>
+          </a:xfrm>
+          <a:prstGeom prst="rect">
+            <a:avLst/>
+          </a:prstGeom>
+          <a:noFill/>
+        </p:spPr>
+        <p:txBody>
+          <a:bodyPr wrap="square" rtlCol="0">
+            <a:spAutoFit/>
+          </a:bodyPr>
+          <a:lstStyle/>
+          <a:p>
+            <a:r>
+              <a:rPr lang="en-US" dirty="0"/>
+              <a:t>4</a:t>
+            </a:r>
+          </a:p>
+        </p:txBody>
+      </p:sp>
+      <p:sp>
+        <p:nvSpPr>
+          <p:cNvPr id="17" name="TextBox 16"/>
+          <p:cNvSpPr txBox="1"/>
+          <p:nvPr/>
+        </p:nvSpPr>
+        <p:spPr>
+          <a:xfrm>
+            <a:off x="5217313" y="6239514"/>
+            <a:ext cx="314036" cy="369332"/>
+          </a:xfrm>
+          <a:prstGeom prst="rect">
+            <a:avLst/>
+          </a:prstGeom>
+          <a:noFill/>
+        </p:spPr>
+        <p:txBody>
+          <a:bodyPr wrap="square" rtlCol="0">
+            <a:spAutoFit/>
+          </a:bodyPr>
+          <a:lstStyle/>
+          <a:p>
+            <a:r>
+              <a:rPr lang="en-US" dirty="0"/>
+              <a:t>5</a:t>
+            </a:r>
+          </a:p>
+        </p:txBody>
+      </p:sp>
+      <p:sp>
+        <p:nvSpPr>
+          <p:cNvPr id="18" name="TextBox 17"/>
+          <p:cNvSpPr txBox="1"/>
+          <p:nvPr/>
+        </p:nvSpPr>
+        <p:spPr>
+          <a:xfrm>
+            <a:off x="5606659" y="6239514"/>
+            <a:ext cx="314036" cy="369332"/>
+          </a:xfrm>
+          <a:prstGeom prst="rect">
+            <a:avLst/>
+          </a:prstGeom>
+          <a:noFill/>
+        </p:spPr>
+        <p:txBody>
+          <a:bodyPr wrap="square" rtlCol="0">
+            <a:spAutoFit/>
+          </a:bodyPr>
+          <a:lstStyle/>
+          <a:p>
+            <a:r>
+              <a:rPr lang="en-US" dirty="0"/>
+              <a:t>6</a:t>
+            </a:r>
+          </a:p>
+        </p:txBody>
+      </p:sp>
+      <p:sp>
+        <p:nvSpPr>
+          <p:cNvPr id="19" name="TextBox 18"/>
+          <p:cNvSpPr txBox="1"/>
+          <p:nvPr/>
+        </p:nvSpPr>
+        <p:spPr>
+          <a:xfrm>
+            <a:off x="5996005" y="6239514"/>
+            <a:ext cx="314036" cy="369332"/>
+          </a:xfrm>
+          <a:prstGeom prst="rect">
+            <a:avLst/>
+          </a:prstGeom>
+          <a:noFill/>
+        </p:spPr>
+        <p:txBody>
+          <a:bodyPr wrap="square" rtlCol="0">
+            <a:spAutoFit/>
+          </a:bodyPr>
+          <a:lstStyle/>
+          <a:p>
+            <a:r>
+              <a:rPr lang="en-US" dirty="0"/>
+              <a:t>7</a:t>
+            </a:r>
+          </a:p>
+        </p:txBody>
+      </p:sp>
+      <p:sp>
+        <p:nvSpPr>
+          <p:cNvPr id="20" name="TextBox 19"/>
+          <p:cNvSpPr txBox="1"/>
+          <p:nvPr/>
+        </p:nvSpPr>
+        <p:spPr>
+          <a:xfrm>
+            <a:off x="6384796" y="6239514"/>
+            <a:ext cx="314036" cy="369332"/>
+          </a:xfrm>
+          <a:prstGeom prst="rect">
+            <a:avLst/>
+          </a:prstGeom>
+          <a:noFill/>
+        </p:spPr>
+        <p:txBody>
+          <a:bodyPr wrap="square" rtlCol="0">
+            <a:spAutoFit/>
+          </a:bodyPr>
+          <a:lstStyle/>
+          <a:p>
+            <a:r>
+              <a:rPr lang="en-US" dirty="0"/>
+              <a:t>8</a:t>
+            </a:r>
+          </a:p>
+        </p:txBody>
+      </p:sp>
+      <p:sp>
+        <p:nvSpPr>
+          <p:cNvPr id="21" name="TextBox 20"/>
+          <p:cNvSpPr txBox="1"/>
+          <p:nvPr/>
+        </p:nvSpPr>
+        <p:spPr>
+          <a:xfrm>
+            <a:off x="6790153" y="6239514"/>
+            <a:ext cx="314036" cy="369332"/>
+          </a:xfrm>
+          <a:prstGeom prst="rect">
+            <a:avLst/>
+          </a:prstGeom>
+          <a:noFill/>
+        </p:spPr>
+        <p:txBody>
+          <a:bodyPr wrap="square" rtlCol="0">
+            <a:spAutoFit/>
+          </a:bodyPr>
+          <a:lstStyle/>
+          <a:p>
+            <a:r>
+              <a:rPr lang="en-US" dirty="0"/>
+              <a:t>9</a:t>
+            </a:r>
+          </a:p>
+        </p:txBody>
+      </p:sp>
+      <p:sp>
+        <p:nvSpPr>
+          <p:cNvPr id="22" name="TextBox 21"/>
+          <p:cNvSpPr txBox="1"/>
+          <p:nvPr/>
+        </p:nvSpPr>
+        <p:spPr>
+          <a:xfrm>
+            <a:off x="7240263" y="6239514"/>
+            <a:ext cx="433684" cy="369332"/>
+          </a:xfrm>
+          <a:prstGeom prst="rect">
+            <a:avLst/>
+          </a:prstGeom>
+          <a:noFill/>
+        </p:spPr>
+        <p:txBody>
+          <a:bodyPr wrap="square" rtlCol="0">
+            <a:spAutoFit/>
+          </a:bodyPr>
+          <a:lstStyle/>
+          <a:p>
+            <a:r>
+              <a:rPr lang="en-US" dirty="0" smtClean="0"/>
+              <a:t>10</a:t>
+            </a:r>
+            <a:endParaRPr lang="en-US" dirty="0"/>
+          </a:p>
+        </p:txBody>
+      </p:sp>
+      <p:sp>
+        <p:nvSpPr>
+          <p:cNvPr id="23" name="TextBox 22"/>
+          <p:cNvSpPr txBox="1"/>
+          <p:nvPr/>
+        </p:nvSpPr>
+        <p:spPr>
+          <a:xfrm>
+            <a:off x="7680219" y="6239514"/>
+            <a:ext cx="586326" cy="369332"/>
+          </a:xfrm>
+          <a:prstGeom prst="rect">
+            <a:avLst/>
+          </a:prstGeom>
+          <a:noFill/>
+        </p:spPr>
+        <p:txBody>
+          <a:bodyPr wrap="square" rtlCol="0">
+            <a:spAutoFit/>
+          </a:bodyPr>
+          <a:lstStyle/>
+          <a:p>
+            <a:r>
+              <a:rPr lang="en-US" dirty="0" smtClean="0"/>
+              <a:t>11</a:t>
+            </a:r>
+            <a:endParaRPr lang="en-US" dirty="0"/>
+          </a:p>
+        </p:txBody>
+      </p:sp>
+      <p:sp>
+        <p:nvSpPr>
+          <p:cNvPr id="24" name="TextBox 23"/>
+          <p:cNvSpPr txBox="1"/>
+          <p:nvPr/>
+        </p:nvSpPr>
+        <p:spPr>
+          <a:xfrm>
+            <a:off x="8074000" y="6239514"/>
+            <a:ext cx="473836" cy="369332"/>
+          </a:xfrm>
+          <a:prstGeom prst="rect">
+            <a:avLst/>
+          </a:prstGeom>
+          <a:noFill/>
+        </p:spPr>
+        <p:txBody>
+          <a:bodyPr wrap="square" rtlCol="0">
+            <a:spAutoFit/>
+          </a:bodyPr>
+          <a:lstStyle/>
+          <a:p>
+            <a:r>
+              <a:rPr lang="en-US" dirty="0" smtClean="0"/>
+              <a:t>12</a:t>
+            </a:r>
+            <a:endParaRPr lang="en-US" dirty="0"/>
+          </a:p>
+        </p:txBody>
+      </p:sp>
+      <p:sp>
+        <p:nvSpPr>
+          <p:cNvPr id="25" name="TextBox 24"/>
+          <p:cNvSpPr txBox="1"/>
+          <p:nvPr/>
+        </p:nvSpPr>
+        <p:spPr>
+          <a:xfrm>
+            <a:off x="8454497" y="6239514"/>
+            <a:ext cx="426713" cy="369332"/>
+          </a:xfrm>
+          <a:prstGeom prst="rect">
+            <a:avLst/>
+          </a:prstGeom>
+          <a:noFill/>
+        </p:spPr>
+        <p:txBody>
+          <a:bodyPr wrap="square" rtlCol="0">
+            <a:spAutoFit/>
+          </a:bodyPr>
+          <a:lstStyle/>
+          <a:p>
+            <a:r>
+              <a:rPr lang="en-US" dirty="0" smtClean="0"/>
+              <a:t>13</a:t>
+            </a:r>
+            <a:endParaRPr lang="en-US" dirty="0"/>
+          </a:p>
+        </p:txBody>
+      </p:sp>
+      <p:sp>
+        <p:nvSpPr>
+          <p:cNvPr id="26" name="TextBox 25"/>
+          <p:cNvSpPr txBox="1"/>
+          <p:nvPr/>
+        </p:nvSpPr>
+        <p:spPr>
+          <a:xfrm>
+            <a:off x="8881509" y="6239514"/>
+            <a:ext cx="454277" cy="369332"/>
+          </a:xfrm>
+          <a:prstGeom prst="rect">
+            <a:avLst/>
+          </a:prstGeom>
+          <a:noFill/>
+        </p:spPr>
+        <p:txBody>
+          <a:bodyPr wrap="square" rtlCol="0">
+            <a:spAutoFit/>
+          </a:bodyPr>
+          <a:lstStyle/>
+          <a:p>
+            <a:r>
+              <a:rPr lang="en-US" dirty="0" smtClean="0"/>
+              <a:t>14</a:t>
+            </a:r>
+            <a:endParaRPr lang="en-US" dirty="0"/>
+          </a:p>
+        </p:txBody>
+      </p:sp>
+      <p:sp>
+        <p:nvSpPr>
+          <p:cNvPr id="27" name="TextBox 26"/>
+          <p:cNvSpPr txBox="1"/>
+          <p:nvPr/>
+        </p:nvSpPr>
+        <p:spPr>
+          <a:xfrm>
+            <a:off x="9308525" y="6239514"/>
+            <a:ext cx="445502" cy="369332"/>
+          </a:xfrm>
+          <a:prstGeom prst="rect">
+            <a:avLst/>
+          </a:prstGeom>
+          <a:noFill/>
+        </p:spPr>
+        <p:txBody>
+          <a:bodyPr wrap="square" rtlCol="0">
+            <a:spAutoFit/>
+          </a:bodyPr>
+          <a:lstStyle/>
+          <a:p>
+            <a:r>
+              <a:rPr lang="en-US" dirty="0" smtClean="0"/>
+              <a:t>15</a:t>
+            </a:r>
+            <a:endParaRPr lang="en-US" dirty="0"/>
           </a:p>
         </p:txBody>
       </p:sp>
@@ -9161,7 +9981,7 @@
         </p:blipFill>
         <p:spPr>
           <a:xfrm>
-            <a:off x="483755" y="1444172"/>
+            <a:off x="3243695" y="1176379"/>
             <a:ext cx="6692900" cy="5063135"/>
           </a:xfrm>
           <a:prstGeom prst="rect">
@@ -9207,8 +10027,8 @@
         </p:nvSpPr>
         <p:spPr>
           <a:xfrm>
-            <a:off x="7777018" y="1524000"/>
-            <a:ext cx="4276437" cy="3139321"/>
+            <a:off x="1394691" y="991713"/>
+            <a:ext cx="2974109" cy="369332"/>
           </a:xfrm>
           <a:prstGeom prst="rect">
             <a:avLst/>
@@ -9222,6 +10042,688 @@
           <a:lstStyle/>
           <a:p>
             <a:r>
+              <a:rPr lang="en-US" dirty="0" smtClean="0"/>
+              <a:t>Observation</a:t>
+            </a:r>
+            <a:endParaRPr lang="en-US" dirty="0"/>
+          </a:p>
+        </p:txBody>
+      </p:sp>
+      <p:sp>
+        <p:nvSpPr>
+          <p:cNvPr id="6" name="TextBox 5"/>
+          <p:cNvSpPr txBox="1"/>
+          <p:nvPr/>
+        </p:nvSpPr>
+        <p:spPr>
+          <a:xfrm>
+            <a:off x="5934363" y="6488668"/>
+            <a:ext cx="2974109" cy="369332"/>
+          </a:xfrm>
+          <a:prstGeom prst="rect">
+            <a:avLst/>
+          </a:prstGeom>
+          <a:noFill/>
+        </p:spPr>
+        <p:txBody>
+          <a:bodyPr wrap="square" rtlCol="0">
+            <a:spAutoFit/>
+          </a:bodyPr>
+          <a:lstStyle/>
+          <a:p>
+            <a:r>
+              <a:rPr lang="en-US" dirty="0" smtClean="0"/>
+              <a:t>Time</a:t>
+            </a:r>
+            <a:endParaRPr lang="en-US" dirty="0"/>
+          </a:p>
+        </p:txBody>
+      </p:sp>
+      <p:sp>
+        <p:nvSpPr>
+          <p:cNvPr id="7" name="TextBox 6"/>
+          <p:cNvSpPr txBox="1"/>
+          <p:nvPr/>
+        </p:nvSpPr>
+        <p:spPr>
+          <a:xfrm>
+            <a:off x="2576945" y="1588655"/>
+            <a:ext cx="304800" cy="369332"/>
+          </a:xfrm>
+          <a:prstGeom prst="rect">
+            <a:avLst/>
+          </a:prstGeom>
+          <a:noFill/>
+        </p:spPr>
+        <p:txBody>
+          <a:bodyPr wrap="square" rtlCol="0">
+            <a:spAutoFit/>
+          </a:bodyPr>
+          <a:lstStyle/>
+          <a:p>
+            <a:r>
+              <a:rPr lang="en-US" dirty="0" smtClean="0"/>
+              <a:t>1</a:t>
+            </a:r>
+            <a:endParaRPr lang="en-US" dirty="0"/>
+          </a:p>
+        </p:txBody>
+      </p:sp>
+      <p:sp>
+        <p:nvSpPr>
+          <p:cNvPr id="8" name="TextBox 7"/>
+          <p:cNvSpPr txBox="1"/>
+          <p:nvPr/>
+        </p:nvSpPr>
+        <p:spPr>
+          <a:xfrm>
+            <a:off x="2576945" y="2299848"/>
+            <a:ext cx="304800" cy="369332"/>
+          </a:xfrm>
+          <a:prstGeom prst="rect">
+            <a:avLst/>
+          </a:prstGeom>
+          <a:noFill/>
+        </p:spPr>
+        <p:txBody>
+          <a:bodyPr wrap="square" rtlCol="0">
+            <a:spAutoFit/>
+          </a:bodyPr>
+          <a:lstStyle/>
+          <a:p>
+            <a:r>
+              <a:rPr lang="en-US" dirty="0"/>
+              <a:t>2</a:t>
+            </a:r>
+            <a:endParaRPr lang="en-US" dirty="0"/>
+          </a:p>
+        </p:txBody>
+      </p:sp>
+      <p:sp>
+        <p:nvSpPr>
+          <p:cNvPr id="9" name="TextBox 8"/>
+          <p:cNvSpPr txBox="1"/>
+          <p:nvPr/>
+        </p:nvSpPr>
+        <p:spPr>
+          <a:xfrm>
+            <a:off x="2605520" y="3011041"/>
+            <a:ext cx="304800" cy="369332"/>
+          </a:xfrm>
+          <a:prstGeom prst="rect">
+            <a:avLst/>
+          </a:prstGeom>
+          <a:noFill/>
+        </p:spPr>
+        <p:txBody>
+          <a:bodyPr wrap="square" rtlCol="0">
+            <a:spAutoFit/>
+          </a:bodyPr>
+          <a:lstStyle/>
+          <a:p>
+            <a:r>
+              <a:rPr lang="en-US" dirty="0"/>
+              <a:t>3</a:t>
+            </a:r>
+            <a:endParaRPr lang="en-US" dirty="0"/>
+          </a:p>
+        </p:txBody>
+      </p:sp>
+      <p:sp>
+        <p:nvSpPr>
+          <p:cNvPr id="10" name="TextBox 9"/>
+          <p:cNvSpPr txBox="1"/>
+          <p:nvPr/>
+        </p:nvSpPr>
+        <p:spPr>
+          <a:xfrm>
+            <a:off x="2563956" y="3722234"/>
+            <a:ext cx="304800" cy="369332"/>
+          </a:xfrm>
+          <a:prstGeom prst="rect">
+            <a:avLst/>
+          </a:prstGeom>
+          <a:noFill/>
+        </p:spPr>
+        <p:txBody>
+          <a:bodyPr wrap="square" rtlCol="0">
+            <a:spAutoFit/>
+          </a:bodyPr>
+          <a:lstStyle/>
+          <a:p>
+            <a:r>
+              <a:rPr lang="en-US" dirty="0"/>
+              <a:t>4</a:t>
+            </a:r>
+            <a:endParaRPr lang="en-US" dirty="0"/>
+          </a:p>
+        </p:txBody>
+      </p:sp>
+      <p:sp>
+        <p:nvSpPr>
+          <p:cNvPr id="11" name="TextBox 10"/>
+          <p:cNvSpPr txBox="1"/>
+          <p:nvPr/>
+        </p:nvSpPr>
+        <p:spPr>
+          <a:xfrm>
+            <a:off x="2583294" y="4571970"/>
+            <a:ext cx="304800" cy="369332"/>
+          </a:xfrm>
+          <a:prstGeom prst="rect">
+            <a:avLst/>
+          </a:prstGeom>
+          <a:noFill/>
+        </p:spPr>
+        <p:txBody>
+          <a:bodyPr wrap="square" rtlCol="0">
+            <a:spAutoFit/>
+          </a:bodyPr>
+          <a:lstStyle/>
+          <a:p>
+            <a:r>
+              <a:rPr lang="en-US" dirty="0"/>
+              <a:t>5</a:t>
+            </a:r>
+            <a:endParaRPr lang="en-US" dirty="0"/>
+          </a:p>
+        </p:txBody>
+      </p:sp>
+      <p:sp>
+        <p:nvSpPr>
+          <p:cNvPr id="12" name="TextBox 11"/>
+          <p:cNvSpPr txBox="1"/>
+          <p:nvPr/>
+        </p:nvSpPr>
+        <p:spPr>
+          <a:xfrm>
+            <a:off x="2576945" y="5486481"/>
+            <a:ext cx="304800" cy="369332"/>
+          </a:xfrm>
+          <a:prstGeom prst="rect">
+            <a:avLst/>
+          </a:prstGeom>
+          <a:noFill/>
+        </p:spPr>
+        <p:txBody>
+          <a:bodyPr wrap="square" rtlCol="0">
+            <a:spAutoFit/>
+          </a:bodyPr>
+          <a:lstStyle/>
+          <a:p>
+            <a:r>
+              <a:rPr lang="en-US" dirty="0"/>
+              <a:t>6</a:t>
+            </a:r>
+            <a:endParaRPr lang="en-US" dirty="0"/>
+          </a:p>
+        </p:txBody>
+      </p:sp>
+      <p:sp>
+        <p:nvSpPr>
+          <p:cNvPr id="13" name="TextBox 12"/>
+          <p:cNvSpPr txBox="1"/>
+          <p:nvPr/>
+        </p:nvSpPr>
+        <p:spPr>
+          <a:xfrm>
+            <a:off x="3546767" y="6239514"/>
+            <a:ext cx="314036" cy="369332"/>
+          </a:xfrm>
+          <a:prstGeom prst="rect">
+            <a:avLst/>
+          </a:prstGeom>
+          <a:noFill/>
+        </p:spPr>
+        <p:txBody>
+          <a:bodyPr wrap="square" rtlCol="0">
+            <a:spAutoFit/>
+          </a:bodyPr>
+          <a:lstStyle/>
+          <a:p>
+            <a:r>
+              <a:rPr lang="en-US" smtClean="0"/>
+              <a:t>1</a:t>
+            </a:r>
+            <a:endParaRPr lang="en-US"/>
+          </a:p>
+        </p:txBody>
+      </p:sp>
+      <p:sp>
+        <p:nvSpPr>
+          <p:cNvPr id="14" name="TextBox 13"/>
+          <p:cNvSpPr txBox="1"/>
+          <p:nvPr/>
+        </p:nvSpPr>
+        <p:spPr>
+          <a:xfrm>
+            <a:off x="3929217" y="6239514"/>
+            <a:ext cx="314036" cy="369332"/>
+          </a:xfrm>
+          <a:prstGeom prst="rect">
+            <a:avLst/>
+          </a:prstGeom>
+          <a:noFill/>
+        </p:spPr>
+        <p:txBody>
+          <a:bodyPr wrap="square" rtlCol="0">
+            <a:spAutoFit/>
+          </a:bodyPr>
+          <a:lstStyle/>
+          <a:p>
+            <a:r>
+              <a:rPr lang="en-US" dirty="0"/>
+              <a:t>2</a:t>
+            </a:r>
+          </a:p>
+        </p:txBody>
+      </p:sp>
+      <p:sp>
+        <p:nvSpPr>
+          <p:cNvPr id="15" name="TextBox 14"/>
+          <p:cNvSpPr txBox="1"/>
+          <p:nvPr/>
+        </p:nvSpPr>
+        <p:spPr>
+          <a:xfrm>
+            <a:off x="4392322" y="6239514"/>
+            <a:ext cx="314036" cy="369332"/>
+          </a:xfrm>
+          <a:prstGeom prst="rect">
+            <a:avLst/>
+          </a:prstGeom>
+          <a:noFill/>
+        </p:spPr>
+        <p:txBody>
+          <a:bodyPr wrap="square" rtlCol="0">
+            <a:spAutoFit/>
+          </a:bodyPr>
+          <a:lstStyle/>
+          <a:p>
+            <a:r>
+              <a:rPr lang="en-US" dirty="0"/>
+              <a:t>3</a:t>
+            </a:r>
+          </a:p>
+        </p:txBody>
+      </p:sp>
+      <p:sp>
+        <p:nvSpPr>
+          <p:cNvPr id="16" name="TextBox 15"/>
+          <p:cNvSpPr txBox="1"/>
+          <p:nvPr/>
+        </p:nvSpPr>
+        <p:spPr>
+          <a:xfrm>
+            <a:off x="4774772" y="6239514"/>
+            <a:ext cx="314036" cy="369332"/>
+          </a:xfrm>
+          <a:prstGeom prst="rect">
+            <a:avLst/>
+          </a:prstGeom>
+          <a:noFill/>
+        </p:spPr>
+        <p:txBody>
+          <a:bodyPr wrap="square" rtlCol="0">
+            <a:spAutoFit/>
+          </a:bodyPr>
+          <a:lstStyle/>
+          <a:p>
+            <a:r>
+              <a:rPr lang="en-US" dirty="0"/>
+              <a:t>4</a:t>
+            </a:r>
+          </a:p>
+        </p:txBody>
+      </p:sp>
+      <p:sp>
+        <p:nvSpPr>
+          <p:cNvPr id="17" name="TextBox 16"/>
+          <p:cNvSpPr txBox="1"/>
+          <p:nvPr/>
+        </p:nvSpPr>
+        <p:spPr>
+          <a:xfrm>
+            <a:off x="5217313" y="6239514"/>
+            <a:ext cx="314036" cy="369332"/>
+          </a:xfrm>
+          <a:prstGeom prst="rect">
+            <a:avLst/>
+          </a:prstGeom>
+          <a:noFill/>
+        </p:spPr>
+        <p:txBody>
+          <a:bodyPr wrap="square" rtlCol="0">
+            <a:spAutoFit/>
+          </a:bodyPr>
+          <a:lstStyle/>
+          <a:p>
+            <a:r>
+              <a:rPr lang="en-US" dirty="0"/>
+              <a:t>5</a:t>
+            </a:r>
+          </a:p>
+        </p:txBody>
+      </p:sp>
+      <p:sp>
+        <p:nvSpPr>
+          <p:cNvPr id="18" name="TextBox 17"/>
+          <p:cNvSpPr txBox="1"/>
+          <p:nvPr/>
+        </p:nvSpPr>
+        <p:spPr>
+          <a:xfrm>
+            <a:off x="5606659" y="6239514"/>
+            <a:ext cx="314036" cy="369332"/>
+          </a:xfrm>
+          <a:prstGeom prst="rect">
+            <a:avLst/>
+          </a:prstGeom>
+          <a:noFill/>
+        </p:spPr>
+        <p:txBody>
+          <a:bodyPr wrap="square" rtlCol="0">
+            <a:spAutoFit/>
+          </a:bodyPr>
+          <a:lstStyle/>
+          <a:p>
+            <a:r>
+              <a:rPr lang="en-US" dirty="0"/>
+              <a:t>6</a:t>
+            </a:r>
+          </a:p>
+        </p:txBody>
+      </p:sp>
+      <p:sp>
+        <p:nvSpPr>
+          <p:cNvPr id="19" name="TextBox 18"/>
+          <p:cNvSpPr txBox="1"/>
+          <p:nvPr/>
+        </p:nvSpPr>
+        <p:spPr>
+          <a:xfrm>
+            <a:off x="5996005" y="6239514"/>
+            <a:ext cx="314036" cy="369332"/>
+          </a:xfrm>
+          <a:prstGeom prst="rect">
+            <a:avLst/>
+          </a:prstGeom>
+          <a:noFill/>
+        </p:spPr>
+        <p:txBody>
+          <a:bodyPr wrap="square" rtlCol="0">
+            <a:spAutoFit/>
+          </a:bodyPr>
+          <a:lstStyle/>
+          <a:p>
+            <a:r>
+              <a:rPr lang="en-US" dirty="0"/>
+              <a:t>7</a:t>
+            </a:r>
+          </a:p>
+        </p:txBody>
+      </p:sp>
+      <p:sp>
+        <p:nvSpPr>
+          <p:cNvPr id="20" name="TextBox 19"/>
+          <p:cNvSpPr txBox="1"/>
+          <p:nvPr/>
+        </p:nvSpPr>
+        <p:spPr>
+          <a:xfrm>
+            <a:off x="6384796" y="6239514"/>
+            <a:ext cx="314036" cy="369332"/>
+          </a:xfrm>
+          <a:prstGeom prst="rect">
+            <a:avLst/>
+          </a:prstGeom>
+          <a:noFill/>
+        </p:spPr>
+        <p:txBody>
+          <a:bodyPr wrap="square" rtlCol="0">
+            <a:spAutoFit/>
+          </a:bodyPr>
+          <a:lstStyle/>
+          <a:p>
+            <a:r>
+              <a:rPr lang="en-US" dirty="0"/>
+              <a:t>8</a:t>
+            </a:r>
+          </a:p>
+        </p:txBody>
+      </p:sp>
+      <p:sp>
+        <p:nvSpPr>
+          <p:cNvPr id="21" name="TextBox 20"/>
+          <p:cNvSpPr txBox="1"/>
+          <p:nvPr/>
+        </p:nvSpPr>
+        <p:spPr>
+          <a:xfrm>
+            <a:off x="6790153" y="6239514"/>
+            <a:ext cx="314036" cy="369332"/>
+          </a:xfrm>
+          <a:prstGeom prst="rect">
+            <a:avLst/>
+          </a:prstGeom>
+          <a:noFill/>
+        </p:spPr>
+        <p:txBody>
+          <a:bodyPr wrap="square" rtlCol="0">
+            <a:spAutoFit/>
+          </a:bodyPr>
+          <a:lstStyle/>
+          <a:p>
+            <a:r>
+              <a:rPr lang="en-US" dirty="0"/>
+              <a:t>9</a:t>
+            </a:r>
+          </a:p>
+        </p:txBody>
+      </p:sp>
+      <p:sp>
+        <p:nvSpPr>
+          <p:cNvPr id="22" name="TextBox 21"/>
+          <p:cNvSpPr txBox="1"/>
+          <p:nvPr/>
+        </p:nvSpPr>
+        <p:spPr>
+          <a:xfrm>
+            <a:off x="7240263" y="6239514"/>
+            <a:ext cx="433684" cy="369332"/>
+          </a:xfrm>
+          <a:prstGeom prst="rect">
+            <a:avLst/>
+          </a:prstGeom>
+          <a:noFill/>
+        </p:spPr>
+        <p:txBody>
+          <a:bodyPr wrap="square" rtlCol="0">
+            <a:spAutoFit/>
+          </a:bodyPr>
+          <a:lstStyle/>
+          <a:p>
+            <a:r>
+              <a:rPr lang="en-US" dirty="0" smtClean="0"/>
+              <a:t>10</a:t>
+            </a:r>
+            <a:endParaRPr lang="en-US" dirty="0"/>
+          </a:p>
+        </p:txBody>
+      </p:sp>
+      <p:sp>
+        <p:nvSpPr>
+          <p:cNvPr id="23" name="TextBox 22"/>
+          <p:cNvSpPr txBox="1"/>
+          <p:nvPr/>
+        </p:nvSpPr>
+        <p:spPr>
+          <a:xfrm>
+            <a:off x="7680219" y="6239514"/>
+            <a:ext cx="586326" cy="369332"/>
+          </a:xfrm>
+          <a:prstGeom prst="rect">
+            <a:avLst/>
+          </a:prstGeom>
+          <a:noFill/>
+        </p:spPr>
+        <p:txBody>
+          <a:bodyPr wrap="square" rtlCol="0">
+            <a:spAutoFit/>
+          </a:bodyPr>
+          <a:lstStyle/>
+          <a:p>
+            <a:r>
+              <a:rPr lang="en-US" dirty="0" smtClean="0"/>
+              <a:t>11</a:t>
+            </a:r>
+            <a:endParaRPr lang="en-US" dirty="0"/>
+          </a:p>
+        </p:txBody>
+      </p:sp>
+      <p:sp>
+        <p:nvSpPr>
+          <p:cNvPr id="24" name="TextBox 23"/>
+          <p:cNvSpPr txBox="1"/>
+          <p:nvPr/>
+        </p:nvSpPr>
+        <p:spPr>
+          <a:xfrm>
+            <a:off x="8074000" y="6239514"/>
+            <a:ext cx="473836" cy="369332"/>
+          </a:xfrm>
+          <a:prstGeom prst="rect">
+            <a:avLst/>
+          </a:prstGeom>
+          <a:noFill/>
+        </p:spPr>
+        <p:txBody>
+          <a:bodyPr wrap="square" rtlCol="0">
+            <a:spAutoFit/>
+          </a:bodyPr>
+          <a:lstStyle/>
+          <a:p>
+            <a:r>
+              <a:rPr lang="en-US" dirty="0" smtClean="0"/>
+              <a:t>12</a:t>
+            </a:r>
+            <a:endParaRPr lang="en-US" dirty="0"/>
+          </a:p>
+        </p:txBody>
+      </p:sp>
+      <p:sp>
+        <p:nvSpPr>
+          <p:cNvPr id="25" name="TextBox 24"/>
+          <p:cNvSpPr txBox="1"/>
+          <p:nvPr/>
+        </p:nvSpPr>
+        <p:spPr>
+          <a:xfrm>
+            <a:off x="8454497" y="6239514"/>
+            <a:ext cx="426713" cy="369332"/>
+          </a:xfrm>
+          <a:prstGeom prst="rect">
+            <a:avLst/>
+          </a:prstGeom>
+          <a:noFill/>
+        </p:spPr>
+        <p:txBody>
+          <a:bodyPr wrap="square" rtlCol="0">
+            <a:spAutoFit/>
+          </a:bodyPr>
+          <a:lstStyle/>
+          <a:p>
+            <a:r>
+              <a:rPr lang="en-US" dirty="0" smtClean="0"/>
+              <a:t>13</a:t>
+            </a:r>
+            <a:endParaRPr lang="en-US" dirty="0"/>
+          </a:p>
+        </p:txBody>
+      </p:sp>
+      <p:sp>
+        <p:nvSpPr>
+          <p:cNvPr id="26" name="TextBox 25"/>
+          <p:cNvSpPr txBox="1"/>
+          <p:nvPr/>
+        </p:nvSpPr>
+        <p:spPr>
+          <a:xfrm>
+            <a:off x="8881509" y="6239514"/>
+            <a:ext cx="454277" cy="369332"/>
+          </a:xfrm>
+          <a:prstGeom prst="rect">
+            <a:avLst/>
+          </a:prstGeom>
+          <a:noFill/>
+        </p:spPr>
+        <p:txBody>
+          <a:bodyPr wrap="square" rtlCol="0">
+            <a:spAutoFit/>
+          </a:bodyPr>
+          <a:lstStyle/>
+          <a:p>
+            <a:r>
+              <a:rPr lang="en-US" dirty="0" smtClean="0"/>
+              <a:t>14</a:t>
+            </a:r>
+            <a:endParaRPr lang="en-US" dirty="0"/>
+          </a:p>
+        </p:txBody>
+      </p:sp>
+      <p:sp>
+        <p:nvSpPr>
+          <p:cNvPr id="27" name="TextBox 26"/>
+          <p:cNvSpPr txBox="1"/>
+          <p:nvPr/>
+        </p:nvSpPr>
+        <p:spPr>
+          <a:xfrm>
+            <a:off x="9308525" y="6239514"/>
+            <a:ext cx="445502" cy="369332"/>
+          </a:xfrm>
+          <a:prstGeom prst="rect">
+            <a:avLst/>
+          </a:prstGeom>
+          <a:noFill/>
+        </p:spPr>
+        <p:txBody>
+          <a:bodyPr wrap="square" rtlCol="0">
+            <a:spAutoFit/>
+          </a:bodyPr>
+          <a:lstStyle/>
+          <a:p>
+            <a:r>
+              <a:rPr lang="en-US" dirty="0" smtClean="0"/>
+              <a:t>15</a:t>
+            </a:r>
+            <a:endParaRPr lang="en-US" dirty="0"/>
+          </a:p>
+        </p:txBody>
+      </p:sp>
+      <p:sp>
+        <p:nvSpPr>
+          <p:cNvPr id="28" name="TextBox 27"/>
+          <p:cNvSpPr txBox="1"/>
+          <p:nvPr/>
+        </p:nvSpPr>
+        <p:spPr>
+          <a:xfrm>
+            <a:off x="22225" y="3322209"/>
+            <a:ext cx="2707120" cy="2585323"/>
+          </a:xfrm>
+          <a:prstGeom prst="rect">
+            <a:avLst/>
+          </a:prstGeom>
+          <a:noFill/>
+        </p:spPr>
+        <p:txBody>
+          <a:bodyPr wrap="square" rtlCol="0">
+            <a:spAutoFit/>
+          </a:bodyPr>
+          <a:lstStyle/>
+          <a:p>
+            <a:r>
               <a:rPr lang="en-US" u="sng" dirty="0" err="1" smtClean="0"/>
               <a:t>Obs</a:t>
             </a:r>
@@ -9291,20 +10793,13 @@
           </a:p>
           <a:p>
             <a:endParaRPr lang="en-US" dirty="0" smtClean="0"/>
-          </a:p>
-          <a:p>
-            <a:r>
-              <a:rPr lang="en-US" dirty="0" smtClean="0"/>
-              <a:t>NOTE: This type of data is called “right-censored” data (most common)</a:t>
-            </a:r>
-            <a:endParaRPr lang="en-US" dirty="0"/>
           </a:p>
         </p:txBody>
       </p:sp>
     </p:spTree>
     <p:extLst>
       <p:ext uri="{BB962C8B-B14F-4D97-AF65-F5344CB8AC3E}">
-        <p14:creationId xmlns:p14="http://schemas.microsoft.com/office/powerpoint/2010/main" val="2604267355"/>
+        <p14:creationId xmlns:p14="http://schemas.microsoft.com/office/powerpoint/2010/main" val="967919708"/>
       </p:ext>
     </p:extLst>
   </p:cSld>
@@ -9327,6 +10822,190 @@
 </file>
 
 <file path=ppt/slides/slide8.xml><?xml version="1.0" encoding="utf-8"?>
+<p:sld xmlns:a="http://schemas.openxmlformats.org/drawingml/2006/main" xmlns:r="http://schemas.openxmlformats.org/officeDocument/2006/relationships" xmlns:p="http://schemas.openxmlformats.org/presentationml/2006/main">
+  <p:cSld>
+    <p:spTree>
+      <p:nvGrpSpPr>
+        <p:cNvPr id="1" name=""/>
+        <p:cNvGrpSpPr/>
+        <p:nvPr/>
+      </p:nvGrpSpPr>
+      <p:grpSpPr>
+        <a:xfrm>
+          <a:off x="0" y="0"/>
+          <a:ext cx="0" cy="0"/>
+          <a:chOff x="0" y="0"/>
+          <a:chExt cx="0" cy="0"/>
+        </a:xfrm>
+      </p:grpSpPr>
+      <p:pic>
+        <p:nvPicPr>
+          <p:cNvPr id="2" name="Picture 1"/>
+          <p:cNvPicPr>
+            <a:picLocks noChangeAspect="1"/>
+          </p:cNvPicPr>
+          <p:nvPr/>
+        </p:nvPicPr>
+        <p:blipFill>
+          <a:blip r:embed="rId2"/>
+          <a:stretch>
+            <a:fillRect/>
+          </a:stretch>
+        </p:blipFill>
+        <p:spPr>
+          <a:xfrm>
+            <a:off x="1228996" y="1691252"/>
+            <a:ext cx="6261135" cy="4657748"/>
+          </a:xfrm>
+          <a:prstGeom prst="rect">
+            <a:avLst/>
+          </a:prstGeom>
+        </p:spPr>
+      </p:pic>
+      <p:sp>
+        <p:nvSpPr>
+          <p:cNvPr id="3" name="Title 2"/>
+          <p:cNvSpPr>
+            <a:spLocks noGrp="1"/>
+          </p:cNvSpPr>
+          <p:nvPr>
+            <p:ph type="title"/>
+          </p:nvPr>
+        </p:nvSpPr>
+        <p:spPr/>
+        <p:txBody>
+          <a:bodyPr/>
+          <a:lstStyle/>
+          <a:p>
+            <a:r>
+              <a:rPr lang="en-US" dirty="0" smtClean="0"/>
+              <a:t>Interested in “tenure”</a:t>
+            </a:r>
+            <a:endParaRPr lang="en-US" dirty="0"/>
+          </a:p>
+        </p:txBody>
+      </p:sp>
+      <p:sp>
+        <p:nvSpPr>
+          <p:cNvPr id="4" name="TextBox 3"/>
+          <p:cNvSpPr txBox="1"/>
+          <p:nvPr/>
+        </p:nvSpPr>
+        <p:spPr>
+          <a:xfrm>
+            <a:off x="8473497" y="2139954"/>
+            <a:ext cx="2707120" cy="2585323"/>
+          </a:xfrm>
+          <a:prstGeom prst="rect">
+            <a:avLst/>
+          </a:prstGeom>
+          <a:noFill/>
+        </p:spPr>
+        <p:txBody>
+          <a:bodyPr wrap="square" rtlCol="0">
+            <a:spAutoFit/>
+          </a:bodyPr>
+          <a:lstStyle/>
+          <a:p>
+            <a:r>
+              <a:rPr lang="en-US" u="sng" dirty="0" err="1" smtClean="0"/>
+              <a:t>Obs</a:t>
+            </a:r>
+            <a:r>
+              <a:rPr lang="en-US" u="sng" dirty="0" smtClean="0"/>
+              <a:t>	Tenure	Censor</a:t>
+            </a:r>
+          </a:p>
+          <a:p>
+            <a:r>
+              <a:rPr lang="en-US" dirty="0" smtClean="0"/>
+              <a:t>   1	    7	    1</a:t>
+            </a:r>
+          </a:p>
+          <a:p>
+            <a:r>
+              <a:rPr lang="en-US" dirty="0"/>
+              <a:t> </a:t>
+            </a:r>
+            <a:r>
+              <a:rPr lang="en-US" dirty="0" smtClean="0"/>
+              <a:t>  2	    8	    1</a:t>
+            </a:r>
+          </a:p>
+          <a:p>
+            <a:r>
+              <a:rPr lang="en-US" dirty="0"/>
+              <a:t> </a:t>
+            </a:r>
+            <a:r>
+              <a:rPr lang="en-US" dirty="0" smtClean="0"/>
+              <a:t>  3	    10	    0</a:t>
+            </a:r>
+          </a:p>
+          <a:p>
+            <a:r>
+              <a:rPr lang="en-US" dirty="0"/>
+              <a:t> </a:t>
+            </a:r>
+            <a:r>
+              <a:rPr lang="en-US" dirty="0" smtClean="0"/>
+              <a:t>  4	    3	    1</a:t>
+            </a:r>
+          </a:p>
+          <a:p>
+            <a:r>
+              <a:rPr lang="en-US" dirty="0"/>
+              <a:t> </a:t>
+            </a:r>
+            <a:r>
+              <a:rPr lang="en-US" dirty="0" smtClean="0"/>
+              <a:t>  5	    2	    1</a:t>
+            </a:r>
+          </a:p>
+          <a:p>
+            <a:r>
+              <a:rPr lang="en-US" dirty="0"/>
+              <a:t> </a:t>
+            </a:r>
+            <a:r>
+              <a:rPr lang="en-US" dirty="0" smtClean="0"/>
+              <a:t>  6	    3	    0</a:t>
+            </a:r>
+          </a:p>
+          <a:p>
+            <a:endParaRPr lang="en-US" dirty="0"/>
+          </a:p>
+          <a:p>
+            <a:endParaRPr lang="en-US" dirty="0" smtClean="0"/>
+          </a:p>
+        </p:txBody>
+      </p:sp>
+    </p:spTree>
+    <p:extLst>
+      <p:ext uri="{BB962C8B-B14F-4D97-AF65-F5344CB8AC3E}">
+        <p14:creationId xmlns:p14="http://schemas.microsoft.com/office/powerpoint/2010/main" val="1124159023"/>
+      </p:ext>
+    </p:extLst>
+  </p:cSld>
+  <p:clrMapOvr>
+    <a:masterClrMapping/>
+  </p:clrMapOvr>
+  <mc:AlternateContent xmlns:mc="http://schemas.openxmlformats.org/markup-compatibility/2006" xmlns:p14="http://schemas.microsoft.com/office/powerpoint/2010/main">
+    <mc:Choice Requires="p14">
+      <p:transition spd="med" p14:dur="700">
+        <p:fade/>
+      </p:transition>
+    </mc:Choice>
+    <mc:Fallback xmlns="">
+      <p:transition spd="med">
+        <p:fade/>
+      </p:transition>
+    </mc:Fallback>
+  </mc:AlternateContent>
+</p:sld>
+</file>
+
+<file path=ppt/slides/slide9.xml><?xml version="1.0" encoding="utf-8"?>
 <p:sld xmlns:a="http://schemas.openxmlformats.org/drawingml/2006/main" xmlns:r="http://schemas.openxmlformats.org/officeDocument/2006/relationships" xmlns:p="http://schemas.openxmlformats.org/presentationml/2006/main">
   <p:cSld>
     <p:spTree>
@@ -9604,124 +11283,6 @@
     <p:extLst>
       <p:ext uri="{BB962C8B-B14F-4D97-AF65-F5344CB8AC3E}">
         <p14:creationId xmlns:p14="http://schemas.microsoft.com/office/powerpoint/2010/main" val="761362904"/>
-      </p:ext>
-    </p:extLst>
-  </p:cSld>
-  <p:clrMapOvr>
-    <a:masterClrMapping/>
-  </p:clrMapOvr>
-  <mc:AlternateContent xmlns:mc="http://schemas.openxmlformats.org/markup-compatibility/2006" xmlns:p14="http://schemas.microsoft.com/office/powerpoint/2010/main">
-    <mc:Choice Requires="p14">
-      <p:transition spd="med" p14:dur="700">
-        <p:fade/>
-      </p:transition>
-    </mc:Choice>
-    <mc:Fallback xmlns="">
-      <p:transition spd="med">
-        <p:fade/>
-      </p:transition>
-    </mc:Fallback>
-  </mc:AlternateContent>
-</p:sld>
-</file>
-
-<file path=ppt/slides/slide9.xml><?xml version="1.0" encoding="utf-8"?>
-<p:sld xmlns:a="http://schemas.openxmlformats.org/drawingml/2006/main" xmlns:r="http://schemas.openxmlformats.org/officeDocument/2006/relationships" xmlns:p="http://schemas.openxmlformats.org/presentationml/2006/main">
-  <p:cSld>
-    <p:spTree>
-      <p:nvGrpSpPr>
-        <p:cNvPr id="1" name=""/>
-        <p:cNvGrpSpPr/>
-        <p:nvPr/>
-      </p:nvGrpSpPr>
-      <p:grpSpPr>
-        <a:xfrm>
-          <a:off x="0" y="0"/>
-          <a:ext cx="0" cy="0"/>
-          <a:chOff x="0" y="0"/>
-          <a:chExt cx="0" cy="0"/>
-        </a:xfrm>
-      </p:grpSpPr>
-      <p:sp>
-        <p:nvSpPr>
-          <p:cNvPr id="2" name="Title 1"/>
-          <p:cNvSpPr>
-            <a:spLocks noGrp="1"/>
-          </p:cNvSpPr>
-          <p:nvPr>
-            <p:ph type="title"/>
-          </p:nvPr>
-        </p:nvSpPr>
-        <p:spPr>
-          <a:xfrm>
-            <a:off x="1634837" y="244763"/>
-            <a:ext cx="9144000" cy="1143000"/>
-          </a:xfrm>
-        </p:spPr>
-        <p:txBody>
-          <a:bodyPr/>
-          <a:lstStyle/>
-          <a:p>
-            <a:r>
-              <a:rPr lang="en-US" dirty="0" smtClean="0"/>
-              <a:t>Small data set</a:t>
-            </a:r>
-            <a:endParaRPr lang="en-US" dirty="0"/>
-          </a:p>
-        </p:txBody>
-      </p:sp>
-      <p:pic>
-        <p:nvPicPr>
-          <p:cNvPr id="4" name="Picture 3"/>
-          <p:cNvPicPr>
-            <a:picLocks noChangeAspect="1"/>
-          </p:cNvPicPr>
-          <p:nvPr/>
-        </p:nvPicPr>
-        <p:blipFill>
-          <a:blip r:embed="rId2"/>
-          <a:stretch>
-            <a:fillRect/>
-          </a:stretch>
-        </p:blipFill>
-        <p:spPr>
-          <a:xfrm>
-            <a:off x="4931927" y="1554018"/>
-            <a:ext cx="6706181" cy="4950381"/>
-          </a:xfrm>
-          <a:prstGeom prst="rect">
-            <a:avLst/>
-          </a:prstGeom>
-        </p:spPr>
-      </p:pic>
-      <p:pic>
-        <p:nvPicPr>
-          <p:cNvPr id="5" name="Picture 4"/>
-          <p:cNvPicPr>
-            <a:picLocks noChangeAspect="1"/>
-          </p:cNvPicPr>
-          <p:nvPr/>
-        </p:nvPicPr>
-        <p:blipFill>
-          <a:blip r:embed="rId3"/>
-          <a:stretch>
-            <a:fillRect/>
-          </a:stretch>
-        </p:blipFill>
-        <p:spPr>
-          <a:xfrm>
-            <a:off x="227950" y="1847316"/>
-            <a:ext cx="4328535" cy="3237257"/>
-          </a:xfrm>
-          <a:prstGeom prst="rect">
-            <a:avLst/>
-          </a:prstGeom>
-        </p:spPr>
-      </p:pic>
-    </p:spTree>
-    <p:extLst>
-      <p:ext uri="{BB962C8B-B14F-4D97-AF65-F5344CB8AC3E}">
-        <p14:creationId xmlns:p14="http://schemas.microsoft.com/office/powerpoint/2010/main" val="1514594706"/>
       </p:ext>
     </p:extLst>
   </p:cSld>
